--- a/docs/Primjena transformer modela za klasifikaciju slika.pptx
+++ b/docs/Primjena transformer modela za klasifikaciju slika.pptx
@@ -5,7 +5,7 @@
     <p:sldMasterId id="2147483648" r:id="rId1"/>
   </p:sldMasterIdLst>
   <p:notesMasterIdLst>
-    <p:notesMasterId r:id="rId13"/>
+    <p:notesMasterId r:id="rId14"/>
   </p:notesMasterIdLst>
   <p:sldIdLst>
     <p:sldId id="256" r:id="rId2"/>
@@ -19,6 +19,7 @@
     <p:sldId id="264" r:id="rId10"/>
     <p:sldId id="265" r:id="rId11"/>
     <p:sldId id="266" r:id="rId12"/>
+    <p:sldId id="267" r:id="rId13"/>
   </p:sldIdLst>
   <p:sldSz cx="12192000" cy="6858000"/>
   <p:notesSz cx="6858000" cy="9144000"/>
@@ -117,6 +118,11 @@
       </a:defRPr>
     </a:lvl9pPr>
   </p:defaultTextStyle>
+  <p:extLst>
+    <p:ext uri="{EFAFB233-063F-42B5-8137-9DF3F51BA10A}">
+      <p15:sldGuideLst xmlns:p15="http://schemas.microsoft.com/office/powerpoint/2012/main"/>
+    </p:ext>
+  </p:extLst>
 </p:presentation>
 </file>
 
@@ -202,7 +208,7 @@
           <a:p>
             <a:fld id="{01D102C1-996D-4001-A429-DC563F08AB45}" type="datetimeFigureOut">
               <a:rPr lang="en-GB" smtClean="0"/>
-              <a:t>05/01/2023</a:t>
+              <a:t>30/01/2023</a:t>
             </a:fld>
             <a:endParaRPr lang="en-GB"/>
           </a:p>
@@ -601,7 +607,7 @@
           <a:p>
             <a:fld id="{C2484AEF-9C1C-4096-8AE6-7F064857CC71}" type="datetime1">
               <a:rPr lang="en-GB" smtClean="0"/>
-              <a:t>05/01/2023</a:t>
+              <a:t>30/01/2023</a:t>
             </a:fld>
             <a:endParaRPr lang="en-GB"/>
           </a:p>
@@ -771,7 +777,7 @@
           <a:p>
             <a:fld id="{D18C8736-6E29-4AEE-88D6-EFAB50F42B7D}" type="datetime1">
               <a:rPr lang="en-GB" smtClean="0"/>
-              <a:t>05/01/2023</a:t>
+              <a:t>30/01/2023</a:t>
             </a:fld>
             <a:endParaRPr lang="en-GB"/>
           </a:p>
@@ -951,7 +957,7 @@
           <a:p>
             <a:fld id="{421E325C-E8BE-4286-A4F9-E204F18FDBD9}" type="datetime1">
               <a:rPr lang="en-GB" smtClean="0"/>
-              <a:t>05/01/2023</a:t>
+              <a:t>30/01/2023</a:t>
             </a:fld>
             <a:endParaRPr lang="en-GB"/>
           </a:p>
@@ -1121,7 +1127,7 @@
           <a:p>
             <a:fld id="{D19615E5-6587-4928-9C7F-8519A8D9DBC6}" type="datetime1">
               <a:rPr lang="en-GB" smtClean="0"/>
-              <a:t>05/01/2023</a:t>
+              <a:t>30/01/2023</a:t>
             </a:fld>
             <a:endParaRPr lang="en-GB"/>
           </a:p>
@@ -1367,7 +1373,7 @@
           <a:p>
             <a:fld id="{3402C1B2-EF22-4238-9252-4233BA151F3B}" type="datetime1">
               <a:rPr lang="en-GB" smtClean="0"/>
-              <a:t>05/01/2023</a:t>
+              <a:t>30/01/2023</a:t>
             </a:fld>
             <a:endParaRPr lang="en-GB"/>
           </a:p>
@@ -1599,7 +1605,7 @@
           <a:p>
             <a:fld id="{05AE1B65-D6F6-495F-8E92-2370878B9E7A}" type="datetime1">
               <a:rPr lang="en-GB" smtClean="0"/>
-              <a:t>05/01/2023</a:t>
+              <a:t>30/01/2023</a:t>
             </a:fld>
             <a:endParaRPr lang="en-GB"/>
           </a:p>
@@ -1966,7 +1972,7 @@
           <a:p>
             <a:fld id="{9A5A1892-6AF7-4DF8-A035-48596E2BEAA2}" type="datetime1">
               <a:rPr lang="en-GB" smtClean="0"/>
-              <a:t>05/01/2023</a:t>
+              <a:t>30/01/2023</a:t>
             </a:fld>
             <a:endParaRPr lang="en-GB"/>
           </a:p>
@@ -2084,7 +2090,7 @@
           <a:p>
             <a:fld id="{0964915C-413A-4749-9022-DD4D814E6495}" type="datetime1">
               <a:rPr lang="en-GB" smtClean="0"/>
-              <a:t>05/01/2023</a:t>
+              <a:t>30/01/2023</a:t>
             </a:fld>
             <a:endParaRPr lang="en-GB"/>
           </a:p>
@@ -2179,7 +2185,7 @@
           <a:p>
             <a:fld id="{4849FA9F-5775-464C-B318-BC3BE78AB0C5}" type="datetime1">
               <a:rPr lang="en-GB" smtClean="0"/>
-              <a:t>05/01/2023</a:t>
+              <a:t>30/01/2023</a:t>
             </a:fld>
             <a:endParaRPr lang="en-GB"/>
           </a:p>
@@ -2456,7 +2462,7 @@
           <a:p>
             <a:fld id="{723D156C-4CB0-4EBE-A5A6-CAE86B036B2E}" type="datetime1">
               <a:rPr lang="en-GB" smtClean="0"/>
-              <a:t>05/01/2023</a:t>
+              <a:t>30/01/2023</a:t>
             </a:fld>
             <a:endParaRPr lang="en-GB"/>
           </a:p>
@@ -2709,7 +2715,7 @@
           <a:p>
             <a:fld id="{5B586F82-6512-4015-8716-048EF7050D6C}" type="datetime1">
               <a:rPr lang="en-GB" smtClean="0"/>
-              <a:t>05/01/2023</a:t>
+              <a:t>30/01/2023</a:t>
             </a:fld>
             <a:endParaRPr lang="en-GB"/>
           </a:p>
@@ -2922,7 +2928,7 @@
           <a:p>
             <a:fld id="{294FEAF7-EE2A-4B36-AF6D-84308BED4EA9}" type="datetime1">
               <a:rPr lang="en-GB" smtClean="0"/>
-              <a:t>05/01/2023</a:t>
+              <a:t>30/01/2023</a:t>
             </a:fld>
             <a:endParaRPr lang="en-GB"/>
           </a:p>
@@ -3435,8 +3441,8 @@
           <a:chExt cx="0" cy="0"/>
         </a:xfrm>
       </p:grpSpPr>
-      <mc:AlternateContent xmlns:mc="http://schemas.openxmlformats.org/markup-compatibility/2006">
-        <mc:Choice xmlns:a14="http://schemas.microsoft.com/office/drawing/2010/main" Requires="a14">
+      <mc:AlternateContent xmlns:mc="http://schemas.openxmlformats.org/markup-compatibility/2006" xmlns:a14="http://schemas.microsoft.com/office/drawing/2010/main">
+        <mc:Choice Requires="a14">
           <p:sp>
             <p:nvSpPr>
               <p:cNvPr id="5" name="Content Placeholder 4"/>
@@ -3716,7 +3722,7 @@
             </p:txBody>
           </p:sp>
         </mc:Choice>
-        <mc:Fallback>
+        <mc:Fallback xmlns="">
           <p:sp>
             <p:nvSpPr>
               <p:cNvPr id="5" name="Content Placeholder 4"/>
@@ -3754,8 +3760,8 @@
           </p:sp>
         </mc:Fallback>
       </mc:AlternateContent>
-      <mc:AlternateContent xmlns:mc="http://schemas.openxmlformats.org/markup-compatibility/2006">
-        <mc:Choice xmlns:a14="http://schemas.microsoft.com/office/drawing/2010/main" Requires="a14">
+      <mc:AlternateContent xmlns:mc="http://schemas.openxmlformats.org/markup-compatibility/2006" xmlns:a14="http://schemas.microsoft.com/office/drawing/2010/main">
+        <mc:Choice Requires="a14">
           <p:sp>
             <p:nvSpPr>
               <p:cNvPr id="6" name="Content Placeholder 4"/>
@@ -4184,7 +4190,7 @@
             </p:txBody>
           </p:sp>
         </mc:Choice>
-        <mc:Fallback>
+        <mc:Fallback xmlns="">
           <p:sp>
             <p:nvSpPr>
               <p:cNvPr id="6" name="Content Placeholder 4"/>
@@ -4885,6 +4891,142 @@
 </p:sld>
 </file>
 
+<file path=ppt/slides/slide12.xml><?xml version="1.0" encoding="utf-8"?>
+<p:sld xmlns:a="http://schemas.openxmlformats.org/drawingml/2006/main" xmlns:r="http://schemas.openxmlformats.org/officeDocument/2006/relationships" xmlns:p="http://schemas.openxmlformats.org/presentationml/2006/main">
+  <p:cSld>
+    <p:spTree>
+      <p:nvGrpSpPr>
+        <p:cNvPr id="1" name=""/>
+        <p:cNvGrpSpPr/>
+        <p:nvPr/>
+      </p:nvGrpSpPr>
+      <p:grpSpPr>
+        <a:xfrm>
+          <a:off x="0" y="0"/>
+          <a:ext cx="0" cy="0"/>
+          <a:chOff x="0" y="0"/>
+          <a:chExt cx="0" cy="0"/>
+        </a:xfrm>
+      </p:grpSpPr>
+      <p:sp>
+        <p:nvSpPr>
+          <p:cNvPr id="2" name="Title 1"/>
+          <p:cNvSpPr>
+            <a:spLocks noGrp="1"/>
+          </p:cNvSpPr>
+          <p:nvPr>
+            <p:ph type="title"/>
+          </p:nvPr>
+        </p:nvSpPr>
+        <p:spPr/>
+        <p:txBody>
+          <a:bodyPr/>
+          <a:lstStyle/>
+          <a:p>
+            <a:pPr algn="ctr"/>
+            <a:r>
+              <a:rPr lang="hr-HR" dirty="0" smtClean="0"/>
+              <a:t>Budući pravci istraživanja</a:t>
+            </a:r>
+            <a:endParaRPr lang="en-GB" dirty="0"/>
+          </a:p>
+        </p:txBody>
+      </p:sp>
+      <p:sp>
+        <p:nvSpPr>
+          <p:cNvPr id="3" name="Content Placeholder 2"/>
+          <p:cNvSpPr>
+            <a:spLocks noGrp="1"/>
+          </p:cNvSpPr>
+          <p:nvPr>
+            <p:ph idx="1"/>
+          </p:nvPr>
+        </p:nvSpPr>
+        <p:spPr/>
+        <p:txBody>
+          <a:bodyPr/>
+          <a:lstStyle/>
+          <a:p>
+            <a:r>
+              <a:rPr lang="hr-HR" dirty="0" smtClean="0"/>
+              <a:t>Primjena transformera na druge zadatke računalnog vida:</a:t>
+            </a:r>
+          </a:p>
+          <a:p>
+            <a:pPr marL="971550" lvl="1" indent="-514350">
+              <a:buFont typeface="+mj-lt"/>
+              <a:buAutoNum type="arabicPeriod"/>
+            </a:pPr>
+            <a:r>
+              <a:rPr lang="hr-HR" dirty="0" smtClean="0"/>
+              <a:t>Segmentacija</a:t>
+            </a:r>
+          </a:p>
+          <a:p>
+            <a:pPr marL="971550" lvl="1" indent="-514350">
+              <a:buFont typeface="+mj-lt"/>
+              <a:buAutoNum type="arabicPeriod"/>
+            </a:pPr>
+            <a:r>
+              <a:rPr lang="hr-HR" dirty="0" smtClean="0"/>
+              <a:t>Lociranje objekta</a:t>
+            </a:r>
+          </a:p>
+          <a:p>
+            <a:pPr marL="971550" lvl="1" indent="-514350">
+              <a:buFont typeface="+mj-lt"/>
+              <a:buAutoNum type="arabicPeriod"/>
+            </a:pPr>
+            <a:r>
+              <a:rPr lang="hr-HR" dirty="0" smtClean="0"/>
+              <a:t>Detekcija instanci	</a:t>
+            </a:r>
+          </a:p>
+          <a:p>
+            <a:r>
+              <a:rPr lang="hr-HR" dirty="0" smtClean="0"/>
+              <a:t>Prilagođavanje arhitekture transformer modela zadacima računalnog vida (trenutno minimalne promjene od originalnog modela)</a:t>
+            </a:r>
+            <a:endParaRPr lang="en-GB" dirty="0"/>
+          </a:p>
+        </p:txBody>
+      </p:sp>
+      <p:sp>
+        <p:nvSpPr>
+          <p:cNvPr id="4" name="Slide Number Placeholder 3"/>
+          <p:cNvSpPr>
+            <a:spLocks noGrp="1"/>
+          </p:cNvSpPr>
+          <p:nvPr>
+            <p:ph type="sldNum" sz="quarter" idx="12"/>
+          </p:nvPr>
+        </p:nvSpPr>
+        <p:spPr/>
+        <p:txBody>
+          <a:bodyPr/>
+          <a:lstStyle/>
+          <a:p>
+            <a:fld id="{D1B77565-3581-4805-B726-EB170CD047F7}" type="slidenum">
+              <a:rPr lang="en-GB" smtClean="0"/>
+              <a:t>12</a:t>
+            </a:fld>
+            <a:endParaRPr lang="en-GB" dirty="0"/>
+          </a:p>
+        </p:txBody>
+      </p:sp>
+    </p:spTree>
+    <p:extLst>
+      <p:ext uri="{BB962C8B-B14F-4D97-AF65-F5344CB8AC3E}">
+        <p14:creationId xmlns:p14="http://schemas.microsoft.com/office/powerpoint/2010/main" val="209368069"/>
+      </p:ext>
+    </p:extLst>
+  </p:cSld>
+  <p:clrMapOvr>
+    <a:masterClrMapping/>
+  </p:clrMapOvr>
+</p:sld>
+</file>
+
 <file path=ppt/slides/slide2.xml><?xml version="1.0" encoding="utf-8"?>
 <p:sld xmlns:a="http://schemas.openxmlformats.org/drawingml/2006/main" xmlns:r="http://schemas.openxmlformats.org/officeDocument/2006/relationships" xmlns:p="http://schemas.openxmlformats.org/presentationml/2006/main">
   <p:cSld>
@@ -5532,7 +5674,6 @@
               <a:rPr lang="hr-HR" dirty="0" smtClean="0"/>
               <a:t>Model se sastoji od baznog klasifikatora i skupa ablacije slika.</a:t>
             </a:r>
-            <a:endParaRPr lang="hr-HR" dirty="0" smtClean="0"/>
           </a:p>
         </p:txBody>
       </p:sp>
